--- a/07-alias_example_group_to.pptx
+++ b/07-alias_example_group_to.pptx
@@ -157,7 +157,7 @@
   </p:defaultTextStyle>
   <p:extLst>
     <p:ext uri="{EFAFB233-063F-42B5-8137-9DF3F51BA10A}">
-      <p15:sldGuideLst xmlns:p15="http://schemas.microsoft.com/office/powerpoint/2012/main" xmlns="">
+      <p15:sldGuideLst xmlns="" xmlns:p15="http://schemas.microsoft.com/office/powerpoint/2012/main">
         <p15:guide id="1" orient="horz" pos="894">
           <p15:clr>
             <a:srgbClr val="A4A3A4"/>
@@ -171,7 +171,7 @@
       </p15:sldGuideLst>
     </p:ext>
     <p:ext uri="{2D200454-40CA-4A62-9FC3-DE9A4176ACB9}">
-      <p15:notesGuideLst xmlns:p15="http://schemas.microsoft.com/office/powerpoint/2012/main" xmlns=""/>
+      <p15:notesGuideLst xmlns="" xmlns:p15="http://schemas.microsoft.com/office/powerpoint/2012/main"/>
     </p:ext>
   </p:extLst>
 </p:presentation>
@@ -288,7 +288,7 @@
               <a:pPr>
                 <a:defRPr/>
               </a:pPr>
-              <a:t>10/24/16</a:t>
+              <a:t>10/25/16</a:t>
             </a:fld>
             <a:endParaRPr lang="en-US" dirty="0"/>
           </a:p>
@@ -471,7 +471,7 @@
               <a:pPr>
                 <a:defRPr/>
               </a:pPr>
-              <a:t>10/24/16</a:t>
+              <a:t>10/25/16</a:t>
             </a:fld>
             <a:endParaRPr lang="en-US" dirty="0"/>
           </a:p>
@@ -11601,38 +11601,6 @@
           </a:p>
         </p:txBody>
       </p:sp>
-      <p:sp>
-        <p:nvSpPr>
-          <p:cNvPr id="3" name="TextBox 2"/>
-          <p:cNvSpPr txBox="1"/>
-          <p:nvPr/>
-        </p:nvSpPr>
-        <p:spPr bwMode="white">
-          <a:xfrm>
-            <a:off x="582706" y="2345765"/>
-            <a:ext cx="6977529" cy="2166470"/>
-          </a:xfrm>
-          <a:prstGeom prst="rect">
-            <a:avLst/>
-          </a:prstGeom>
-        </p:spPr>
-        <p:txBody>
-          <a:bodyPr vert="horz" wrap="square" lIns="91440" tIns="91440" rIns="91440" bIns="91440" rtlCol="0">
-            <a:normAutofit/>
-          </a:bodyPr>
-          <a:lstStyle/>
-          <a:p>
-            <a:r>
-              <a:rPr lang="en-US" sz="3200" dirty="0" smtClean="0">
-                <a:solidFill>
-                  <a:schemeClr val="bg1"/>
-                </a:solidFill>
-              </a:rPr>
-              <a:t>Motivational thing to say</a:t>
-            </a:r>
-          </a:p>
-        </p:txBody>
-      </p:sp>
     </p:spTree>
     <p:extLst>
       <p:ext uri="{BB962C8B-B14F-4D97-AF65-F5344CB8AC3E}">
@@ -12162,38 +12130,6 @@
             <a:r>
               <a:rPr lang="en-US" b="1" dirty="0" smtClean="0"/>
               <a:t>Exercise</a:t>
-            </a:r>
-          </a:p>
-        </p:txBody>
-      </p:sp>
-      <p:sp>
-        <p:nvSpPr>
-          <p:cNvPr id="3" name="TextBox 2"/>
-          <p:cNvSpPr txBox="1"/>
-          <p:nvPr/>
-        </p:nvSpPr>
-        <p:spPr bwMode="white">
-          <a:xfrm>
-            <a:off x="582706" y="2345765"/>
-            <a:ext cx="6977529" cy="2166470"/>
-          </a:xfrm>
-          <a:prstGeom prst="rect">
-            <a:avLst/>
-          </a:prstGeom>
-        </p:spPr>
-        <p:txBody>
-          <a:bodyPr vert="horz" wrap="square" lIns="91440" tIns="91440" rIns="91440" bIns="91440" rtlCol="0">
-            <a:normAutofit/>
-          </a:bodyPr>
-          <a:lstStyle/>
-          <a:p>
-            <a:r>
-              <a:rPr lang="en-US" sz="3200" dirty="0" smtClean="0">
-                <a:solidFill>
-                  <a:schemeClr val="bg1"/>
-                </a:solidFill>
-              </a:rPr>
-              <a:t>Motivational thing to say</a:t>
             </a:r>
           </a:p>
         </p:txBody>
@@ -12330,11 +12266,6 @@
               </a:rPr>
               <a:t>Eloquence comes to automatically assuming context.</a:t>
             </a:r>
-            <a:endParaRPr lang="en-US" sz="7200" i="1" dirty="0" smtClean="0">
-              <a:latin typeface="Apple Chancery" charset="0"/>
-              <a:ea typeface="Apple Chancery" charset="0"/>
-              <a:cs typeface="Apple Chancery" charset="0"/>
-            </a:endParaRPr>
           </a:p>
         </p:txBody>
       </p:sp>
@@ -12765,38 +12696,6 @@
           </a:p>
         </p:txBody>
       </p:sp>
-      <p:sp>
-        <p:nvSpPr>
-          <p:cNvPr id="3" name="TextBox 2"/>
-          <p:cNvSpPr txBox="1"/>
-          <p:nvPr/>
-        </p:nvSpPr>
-        <p:spPr bwMode="white">
-          <a:xfrm>
-            <a:off x="582706" y="2345765"/>
-            <a:ext cx="6977529" cy="2166470"/>
-          </a:xfrm>
-          <a:prstGeom prst="rect">
-            <a:avLst/>
-          </a:prstGeom>
-        </p:spPr>
-        <p:txBody>
-          <a:bodyPr vert="horz" wrap="square" lIns="91440" tIns="91440" rIns="91440" bIns="91440" rtlCol="0">
-            <a:normAutofit/>
-          </a:bodyPr>
-          <a:lstStyle/>
-          <a:p>
-            <a:r>
-              <a:rPr lang="en-US" sz="3200" dirty="0" smtClean="0">
-                <a:solidFill>
-                  <a:schemeClr val="bg1"/>
-                </a:solidFill>
-              </a:rPr>
-              <a:t>Motivational thing to say</a:t>
-            </a:r>
-          </a:p>
-        </p:txBody>
-      </p:sp>
     </p:spTree>
     <p:extLst>
       <p:ext uri="{BB962C8B-B14F-4D97-AF65-F5344CB8AC3E}">
@@ -13163,38 +13062,6 @@
           </a:p>
         </p:txBody>
       </p:sp>
-      <p:sp>
-        <p:nvSpPr>
-          <p:cNvPr id="3" name="TextBox 2"/>
-          <p:cNvSpPr txBox="1"/>
-          <p:nvPr/>
-        </p:nvSpPr>
-        <p:spPr bwMode="white">
-          <a:xfrm>
-            <a:off x="582706" y="2345765"/>
-            <a:ext cx="6977529" cy="2166470"/>
-          </a:xfrm>
-          <a:prstGeom prst="rect">
-            <a:avLst/>
-          </a:prstGeom>
-        </p:spPr>
-        <p:txBody>
-          <a:bodyPr vert="horz" wrap="square" lIns="91440" tIns="91440" rIns="91440" bIns="91440" rtlCol="0">
-            <a:normAutofit/>
-          </a:bodyPr>
-          <a:lstStyle/>
-          <a:p>
-            <a:r>
-              <a:rPr lang="en-US" sz="3200" dirty="0" smtClean="0">
-                <a:solidFill>
-                  <a:schemeClr val="bg1"/>
-                </a:solidFill>
-              </a:rPr>
-              <a:t>Motivational thing to say</a:t>
-            </a:r>
-          </a:p>
-        </p:txBody>
-      </p:sp>
     </p:spTree>
     <p:extLst>
       <p:ext uri="{BB962C8B-B14F-4D97-AF65-F5344CB8AC3E}">
@@ -13282,67 +13149,21 @@
                 <a:cs typeface="Inconsolata"/>
                 <a:hlinkClick r:id="rId2"/>
               </a:rPr>
-              <a:t>https://</a:t>
-            </a:r>
-            <a:r>
-              <a:rPr lang="en-US" sz="4000" b="1" dirty="0" err="1" smtClean="0">
+              <a:t>https</a:t>
+            </a:r>
+            <a:r>
+              <a:rPr lang="en-US" sz="4000" b="1" dirty="0">
                 <a:latin typeface="Inconsolata"/>
                 <a:cs typeface="Inconsolata"/>
                 <a:hlinkClick r:id="rId2"/>
               </a:rPr>
-              <a:t>goo.gl</a:t>
+              <a:t>://goo.gl/</a:t>
             </a:r>
             <a:r>
               <a:rPr lang="en-US" sz="4000" b="1" dirty="0" smtClean="0">
                 <a:latin typeface="Inconsolata"/>
                 <a:cs typeface="Inconsolata"/>
                 <a:hlinkClick r:id="rId2"/>
-              </a:rPr>
-              <a:t>/</a:t>
-            </a:r>
-            <a:r>
-              <a:rPr lang="en-US" sz="4000" b="1" dirty="0" err="1" smtClean="0">
-                <a:latin typeface="Inconsolata"/>
-                <a:cs typeface="Inconsolata"/>
-                <a:hlinkClick r:id="rId2"/>
-              </a:rPr>
-              <a:t>Esxebk</a:t>
-            </a:r>
-            <a:endParaRPr lang="en-US" sz="4000" b="1" dirty="0" smtClean="0">
-              <a:latin typeface="Inconsolata"/>
-              <a:cs typeface="Inconsolata"/>
-            </a:endParaRPr>
-          </a:p>
-          <a:p>
-            <a:pPr algn="ctr"/>
-            <a:endParaRPr lang="en-US" sz="4000" b="1" dirty="0">
-              <a:latin typeface="Inconsolata"/>
-              <a:cs typeface="Inconsolata"/>
-            </a:endParaRPr>
-          </a:p>
-          <a:p>
-            <a:pPr algn="ctr"/>
-            <a:r>
-              <a:rPr lang="en-US" sz="4000" b="1" dirty="0" smtClean="0">
-                <a:latin typeface="Inconsolata"/>
-                <a:cs typeface="Inconsolata"/>
-                <a:hlinkClick r:id="rId3"/>
-              </a:rPr>
-              <a:t>https</a:t>
-            </a:r>
-            <a:r>
-              <a:rPr lang="en-US" sz="4000" b="1" dirty="0">
-                <a:latin typeface="Inconsolata"/>
-                <a:cs typeface="Inconsolata"/>
-                <a:hlinkClick r:id="rId3"/>
-              </a:rPr>
-              <a:t>://goo.gl/</a:t>
-            </a:r>
-            <a:r>
-              <a:rPr lang="en-US" sz="4000" b="1" dirty="0" smtClean="0">
-                <a:latin typeface="Inconsolata"/>
-                <a:cs typeface="Inconsolata"/>
-                <a:hlinkClick r:id="rId3"/>
               </a:rPr>
               <a:t>9mRNlD</a:t>
             </a:r>
@@ -13572,38 +13393,6 @@
             <a:r>
               <a:rPr lang="en-US" b="1" dirty="0" smtClean="0"/>
               <a:t>Exercise</a:t>
-            </a:r>
-          </a:p>
-        </p:txBody>
-      </p:sp>
-      <p:sp>
-        <p:nvSpPr>
-          <p:cNvPr id="3" name="TextBox 2"/>
-          <p:cNvSpPr txBox="1"/>
-          <p:nvPr/>
-        </p:nvSpPr>
-        <p:spPr bwMode="white">
-          <a:xfrm>
-            <a:off x="582706" y="2345765"/>
-            <a:ext cx="6977529" cy="2166470"/>
-          </a:xfrm>
-          <a:prstGeom prst="rect">
-            <a:avLst/>
-          </a:prstGeom>
-        </p:spPr>
-        <p:txBody>
-          <a:bodyPr vert="horz" wrap="square" lIns="91440" tIns="91440" rIns="91440" bIns="91440" rtlCol="0">
-            <a:normAutofit/>
-          </a:bodyPr>
-          <a:lstStyle/>
-          <a:p>
-            <a:r>
-              <a:rPr lang="en-US" sz="3200" dirty="0" smtClean="0">
-                <a:solidFill>
-                  <a:schemeClr val="bg1"/>
-                </a:solidFill>
-              </a:rPr>
-              <a:t>Motivational thing to say</a:t>
             </a:r>
           </a:p>
         </p:txBody>
@@ -14358,7 +14147,7 @@
   <a:extraClrSchemeLst/>
   <a:extLst>
     <a:ext uri="{05A4C25C-085E-4340-85A3-A5531E510DB2}">
-      <thm15:themeFamily xmlns:thm15="http://schemas.microsoft.com/office/thememl/2012/main" xmlns="" name="Chef-TemplateComps_v09-16x9-Light.potx" id="{078CEFDB-FA7A-4E36-9964-13EF367585CB}" vid="{8B87B0F3-7308-43D5-8388-E1B49EA02652}"/>
+      <thm15:themeFamily xmlns="" xmlns:thm15="http://schemas.microsoft.com/office/thememl/2012/main" name="Chef-TemplateComps_v09-16x9-Light.potx" id="{078CEFDB-FA7A-4E36-9964-13EF367585CB}" vid="{8B87B0F3-7308-43D5-8388-E1B49EA02652}"/>
     </a:ext>
   </a:extLst>
 </a:theme>
@@ -14740,7 +14529,7 @@
   <a:extraClrSchemeLst/>
   <a:extLst>
     <a:ext uri="{05A4C25C-085E-4340-85A3-A5531E510DB2}">
-      <thm15:themeFamily xmlns:thm15="http://schemas.microsoft.com/office/thememl/2012/main" xmlns="" name="Chef-TemplateComps_v09-16x9-Light.potx" id="{078CEFDB-FA7A-4E36-9964-13EF367585CB}" vid="{8B87B0F3-7308-43D5-8388-E1B49EA02652}"/>
+      <thm15:themeFamily xmlns="" xmlns:thm15="http://schemas.microsoft.com/office/thememl/2012/main" name="Chef-TemplateComps_v09-16x9-Light.potx" id="{078CEFDB-FA7A-4E36-9964-13EF367585CB}" vid="{8B87B0F3-7308-43D5-8388-E1B49EA02652}"/>
     </a:ext>
   </a:extLst>
 </a:theme>
